--- a/Calendario2024/Presentaciones/7_FHRP.pptx
+++ b/Calendario2024/Presentaciones/7_FHRP.pptx
@@ -284,7 +284,7 @@
           <a:p>
             <a:fld id="{136337D9-3022-3D41-8D8A-BDF2F3B0DD8E}" type="datetimeFigureOut">
               <a:rPr lang="en-US" smtClean="0"/>
-              <a:t>4/12/2023</a:t>
+              <a:t>6/3/2024</a:t>
             </a:fld>
             <a:endParaRPr lang="en-US" dirty="0"/>
           </a:p>
@@ -442,7 +442,7 @@
           <a:p>
             <a:fld id="{5641018C-6CAF-B84E-B92C-ECB119457FBA}" type="slidenum">
               <a:rPr lang="en-US" smtClean="0"/>
-              <a:t>‹Nº›</a:t>
+              <a:t>‹#›</a:t>
             </a:fld>
             <a:endParaRPr lang="en-US" dirty="0"/>
           </a:p>
@@ -14795,7 +14795,7 @@
                 </a:spcAft>
                 <a:defRPr/>
               </a:pPr>
-              <a:t>‹Nº›</a:t>
+              <a:t>‹#›</a:t>
             </a:fld>
             <a:endParaRPr sz="600">
               <a:solidFill>
@@ -16897,7 +16897,7 @@
         <p:fade/>
       </p:transition>
     </mc:Choice>
-    <mc:Fallback xmlns:c="http://schemas.openxmlformats.org/drawingml/2006/chart" xmlns:c15="http://schemas.microsoft.com/office/drawing/2012/chart" xmlns="">
+    <mc:Fallback xmlns="" xmlns:c15="http://schemas.microsoft.com/office/drawing/2012/chart" xmlns:c="http://schemas.openxmlformats.org/drawingml/2006/chart">
       <p:transition xmlns:p14="http://schemas.microsoft.com/office/powerpoint/2010/main" spd="med">
         <p:fade/>
       </p:transition>
@@ -21326,7 +21326,7 @@
                 </a:spcAft>
                 <a:defRPr/>
               </a:pPr>
-              <a:t>‹Nº›</a:t>
+              <a:t>‹#›</a:t>
             </a:fld>
             <a:endParaRPr sz="600">
               <a:solidFill>
@@ -24527,7 +24527,7 @@
         <p:fade/>
       </p:transition>
     </mc:Choice>
-    <mc:Fallback xmlns="" xmlns:c="http://schemas.openxmlformats.org/drawingml/2006/chart" xmlns:c15="http://schemas.microsoft.com/office/drawing/2012/chart">
+    <mc:Fallback xmlns:c15="http://schemas.microsoft.com/office/drawing/2012/chart" xmlns:c="http://schemas.openxmlformats.org/drawingml/2006/chart" xmlns="">
       <p:transition spd="med">
         <p:fade/>
       </p:transition>
@@ -24825,7 +24825,7 @@
         <p:fade/>
       </p:transition>
     </mc:Choice>
-    <mc:Fallback xmlns="" xmlns:c="http://schemas.openxmlformats.org/drawingml/2006/chart" xmlns:c15="http://schemas.microsoft.com/office/drawing/2012/chart">
+    <mc:Fallback xmlns:c15="http://schemas.microsoft.com/office/drawing/2012/chart" xmlns:c="http://schemas.openxmlformats.org/drawingml/2006/chart" xmlns="">
       <p:transition spd="med">
         <p:fade/>
       </p:transition>
@@ -25097,7 +25097,7 @@
         <p:fade/>
       </p:transition>
     </mc:Choice>
-    <mc:Fallback xmlns="" xmlns:c="http://schemas.openxmlformats.org/drawingml/2006/chart" xmlns:c15="http://schemas.microsoft.com/office/drawing/2012/chart">
+    <mc:Fallback xmlns:c15="http://schemas.microsoft.com/office/drawing/2012/chart" xmlns:c="http://schemas.openxmlformats.org/drawingml/2006/chart" xmlns="">
       <p:transition spd="med">
         <p:fade/>
       </p:transition>
@@ -25379,7 +25379,7 @@
         <p:fade/>
       </p:transition>
     </mc:Choice>
-    <mc:Fallback xmlns="" xmlns:c="http://schemas.openxmlformats.org/drawingml/2006/chart" xmlns:c15="http://schemas.microsoft.com/office/drawing/2012/chart">
+    <mc:Fallback xmlns:c15="http://schemas.microsoft.com/office/drawing/2012/chart" xmlns:c="http://schemas.openxmlformats.org/drawingml/2006/chart" xmlns="">
       <p:transition spd="med">
         <p:fade/>
       </p:transition>
@@ -25711,7 +25711,7 @@
         <p:fade/>
       </p:transition>
     </mc:Choice>
-    <mc:Fallback xmlns="" xmlns:c="http://schemas.openxmlformats.org/drawingml/2006/chart" xmlns:c15="http://schemas.microsoft.com/office/drawing/2012/chart">
+    <mc:Fallback xmlns:c15="http://schemas.microsoft.com/office/drawing/2012/chart" xmlns:c="http://schemas.openxmlformats.org/drawingml/2006/chart" xmlns="">
       <p:transition spd="med">
         <p:fade/>
       </p:transition>
@@ -26221,7 +26221,7 @@
         <p:fade/>
       </p:transition>
     </mc:Choice>
-    <mc:Fallback xmlns="" xmlns:c="http://schemas.openxmlformats.org/drawingml/2006/chart" xmlns:c15="http://schemas.microsoft.com/office/drawing/2012/chart">
+    <mc:Fallback xmlns:c15="http://schemas.microsoft.com/office/drawing/2012/chart" xmlns:c="http://schemas.openxmlformats.org/drawingml/2006/chart" xmlns="">
       <p:transition spd="med">
         <p:fade/>
       </p:transition>
@@ -26939,7 +26939,7 @@
         <p:fade/>
       </p:transition>
     </mc:Choice>
-    <mc:Fallback xmlns="" xmlns:c="http://schemas.openxmlformats.org/drawingml/2006/chart" xmlns:c15="http://schemas.microsoft.com/office/drawing/2012/chart">
+    <mc:Fallback xmlns:c15="http://schemas.microsoft.com/office/drawing/2012/chart" xmlns:c="http://schemas.openxmlformats.org/drawingml/2006/chart" xmlns="">
       <p:transition spd="med">
         <p:fade/>
       </p:transition>
